--- a/ASSIGNMENT4.pptx
+++ b/ASSIGNMENT4.pptx
@@ -20,7 +20,8 @@
     <p:sldId id="300" r:id="rId14"/>
     <p:sldId id="293" r:id="rId15"/>
     <p:sldId id="294" r:id="rId16"/>
-    <p:sldId id="271" r:id="rId17"/>
+    <p:sldId id="301" r:id="rId17"/>
+    <p:sldId id="271" r:id="rId18"/>
   </p:sldIdLst>
   <p:sldSz cx="12192000" cy="6858000"/>
   <p:notesSz cx="6858000" cy="9144000"/>
@@ -353,7 +354,7 @@
           <a:p>
             <a:fld id="{3064EE62-ECEF-41AE-9F67-44CA13249033}" type="datetimeFigureOut">
               <a:rPr lang="en-ID" smtClean="0"/>
-              <a:t>30/07/2022</a:t>
+              <a:t>15/09/2022</a:t>
             </a:fld>
             <a:endParaRPr lang="en-ID"/>
           </a:p>
@@ -561,7 +562,7 @@
           <a:p>
             <a:fld id="{3064EE62-ECEF-41AE-9F67-44CA13249033}" type="datetimeFigureOut">
               <a:rPr lang="en-ID" smtClean="0"/>
-              <a:t>30/07/2022</a:t>
+              <a:t>15/09/2022</a:t>
             </a:fld>
             <a:endParaRPr lang="en-ID"/>
           </a:p>
@@ -817,7 +818,7 @@
           <a:p>
             <a:fld id="{3064EE62-ECEF-41AE-9F67-44CA13249033}" type="datetimeFigureOut">
               <a:rPr lang="en-ID" smtClean="0"/>
-              <a:t>30/07/2022</a:t>
+              <a:t>15/09/2022</a:t>
             </a:fld>
             <a:endParaRPr lang="en-ID"/>
           </a:p>
@@ -991,7 +992,7 @@
           <a:p>
             <a:fld id="{3064EE62-ECEF-41AE-9F67-44CA13249033}" type="datetimeFigureOut">
               <a:rPr lang="en-ID" smtClean="0"/>
-              <a:t>30/07/2022</a:t>
+              <a:t>15/09/2022</a:t>
             </a:fld>
             <a:endParaRPr lang="en-ID"/>
           </a:p>
@@ -1334,7 +1335,7 @@
           <a:p>
             <a:fld id="{3064EE62-ECEF-41AE-9F67-44CA13249033}" type="datetimeFigureOut">
               <a:rPr lang="en-ID" smtClean="0"/>
-              <a:t>30/07/2022</a:t>
+              <a:t>15/09/2022</a:t>
             </a:fld>
             <a:endParaRPr lang="en-ID"/>
           </a:p>
@@ -1609,7 +1610,7 @@
           <a:p>
             <a:fld id="{3064EE62-ECEF-41AE-9F67-44CA13249033}" type="datetimeFigureOut">
               <a:rPr lang="en-ID" smtClean="0"/>
-              <a:t>30/07/2022</a:t>
+              <a:t>15/09/2022</a:t>
             </a:fld>
             <a:endParaRPr lang="en-ID"/>
           </a:p>
@@ -1988,7 +1989,7 @@
           <a:p>
             <a:fld id="{3064EE62-ECEF-41AE-9F67-44CA13249033}" type="datetimeFigureOut">
               <a:rPr lang="en-ID" smtClean="0"/>
-              <a:t>30/07/2022</a:t>
+              <a:t>15/09/2022</a:t>
             </a:fld>
             <a:endParaRPr lang="en-ID"/>
           </a:p>
@@ -2106,7 +2107,7 @@
           <a:p>
             <a:fld id="{3064EE62-ECEF-41AE-9F67-44CA13249033}" type="datetimeFigureOut">
               <a:rPr lang="en-ID" smtClean="0"/>
-              <a:t>30/07/2022</a:t>
+              <a:t>15/09/2022</a:t>
             </a:fld>
             <a:endParaRPr lang="en-ID"/>
           </a:p>
@@ -2277,7 +2278,7 @@
           <a:p>
             <a:fld id="{3064EE62-ECEF-41AE-9F67-44CA13249033}" type="datetimeFigureOut">
               <a:rPr lang="en-ID" smtClean="0"/>
-              <a:t>30/07/2022</a:t>
+              <a:t>15/09/2022</a:t>
             </a:fld>
             <a:endParaRPr lang="en-ID"/>
           </a:p>
@@ -2631,7 +2632,7 @@
           <a:p>
             <a:fld id="{3064EE62-ECEF-41AE-9F67-44CA13249033}" type="datetimeFigureOut">
               <a:rPr lang="en-ID" smtClean="0"/>
-              <a:t>30/07/2022</a:t>
+              <a:t>15/09/2022</a:t>
             </a:fld>
             <a:endParaRPr lang="en-ID"/>
           </a:p>
@@ -3013,7 +3014,7 @@
           <a:p>
             <a:fld id="{3064EE62-ECEF-41AE-9F67-44CA13249033}" type="datetimeFigureOut">
               <a:rPr lang="en-ID" smtClean="0"/>
-              <a:t>30/07/2022</a:t>
+              <a:t>15/09/2022</a:t>
             </a:fld>
             <a:endParaRPr lang="en-ID"/>
           </a:p>
@@ -3300,7 +3301,7 @@
           <a:p>
             <a:fld id="{3064EE62-ECEF-41AE-9F67-44CA13249033}" type="datetimeFigureOut">
               <a:rPr lang="en-ID" smtClean="0"/>
-              <a:t>30/07/2022</a:t>
+              <a:t>15/09/2022</a:t>
             </a:fld>
             <a:endParaRPr lang="en-ID"/>
           </a:p>
@@ -5392,7 +5393,7 @@
         <p:spPr>
           <a:xfrm>
             <a:off x="7940351" y="1997839"/>
-            <a:ext cx="3489649" cy="2862322"/>
+            <a:ext cx="3489649" cy="3139321"/>
           </a:xfrm>
           <a:prstGeom prst="rect">
             <a:avLst/>
@@ -5413,7 +5414,7 @@
               <a:rPr lang="en-US" dirty="0">
                 <a:cs typeface="Times New Roman" panose="02020603050405020304" pitchFamily="18" charset="0"/>
               </a:rPr>
-              <a:t>From all the locations in the data, only the top 6 locations for working people were taken.</a:t>
+              <a:t>The field of work that is most in demand is Data Scientist with a total of 35.1% of the total, which is 194 workers.</a:t>
             </a:r>
           </a:p>
           <a:p>
@@ -5422,10 +5423,8 @@
               <a:buChar char="•"/>
             </a:pPr>
             <a:r>
-              <a:rPr lang="en-US" dirty="0">
-                <a:cs typeface="Times New Roman" panose="02020603050405020304" pitchFamily="18" charset="0"/>
-              </a:rPr>
-              <a:t>It can be seen that the US became the most favorite location among the others, more than 6 times from the second location called GB.</a:t>
+              <a:rPr lang="en-US" dirty="0"/>
+              <a:t>The second rank is Data Engineer with 177 workers, 32.1% of the total.</a:t>
             </a:r>
           </a:p>
           <a:p>
@@ -5434,10 +5433,8 @@
               <a:buChar char="•"/>
             </a:pPr>
             <a:r>
-              <a:rPr lang="en-US" dirty="0">
-                <a:cs typeface="Times New Roman" panose="02020603050405020304" pitchFamily="18" charset="0"/>
-              </a:rPr>
-              <a:t>And the US spends about 41.3 million dollars on its workers.</a:t>
+              <a:rPr lang="en-US" dirty="0"/>
+              <a:t>This shows that Data Scientist and Data Engineer are in the top 2 jobs that are mostly used as professions.</a:t>
             </a:r>
             <a:endParaRPr lang="en-ID" dirty="0"/>
           </a:p>
@@ -5458,7 +5455,7 @@
         <p:spPr>
           <a:xfrm>
             <a:off x="712237" y="1096212"/>
-            <a:ext cx="4598823" cy="464871"/>
+            <a:ext cx="4772140" cy="464871"/>
           </a:xfrm>
           <a:prstGeom prst="rect">
             <a:avLst/>
@@ -5481,6 +5478,257 @@
                 <a:cs typeface="Times New Roman" panose="02020603050405020304" pitchFamily="18" charset="0"/>
               </a:rPr>
               <a:t>5</a:t>
+            </a:r>
+            <a:r>
+              <a:rPr lang="id-ID" dirty="0">
+                <a:cs typeface="Times New Roman" panose="02020603050405020304" pitchFamily="18" charset="0"/>
+              </a:rPr>
+              <a:t>.	</a:t>
+            </a:r>
+            <a:r>
+              <a:rPr lang="en-ID" dirty="0">
+                <a:cs typeface="Times New Roman" panose="02020603050405020304" pitchFamily="18" charset="0"/>
+              </a:rPr>
+              <a:t> </a:t>
+            </a:r>
+            <a:r>
+              <a:rPr lang="en-US" dirty="0">
+                <a:cs typeface="Times New Roman" panose="02020603050405020304" pitchFamily="18" charset="0"/>
+              </a:rPr>
+              <a:t>What are the most common areas of work?</a:t>
+            </a:r>
+            <a:endParaRPr lang="en-ID" dirty="0">
+              <a:cs typeface="Times New Roman" panose="02020603050405020304" pitchFamily="18" charset="0"/>
+            </a:endParaRPr>
+          </a:p>
+        </p:txBody>
+      </p:sp>
+      <p:pic>
+        <p:nvPicPr>
+          <p:cNvPr id="7" name="Picture 6">
+            <a:extLst>
+              <a:ext uri="{FF2B5EF4-FFF2-40B4-BE49-F238E27FC236}">
+                <a16:creationId xmlns:a16="http://schemas.microsoft.com/office/drawing/2014/main" id="{F643866C-A1F8-B2D7-4C7F-56B01F398D84}"/>
+              </a:ext>
+            </a:extLst>
+          </p:cNvPr>
+          <p:cNvPicPr>
+            <a:picLocks noChangeAspect="1"/>
+          </p:cNvPicPr>
+          <p:nvPr/>
+        </p:nvPicPr>
+        <p:blipFill>
+          <a:blip r:embed="rId2"/>
+          <a:stretch>
+            <a:fillRect/>
+          </a:stretch>
+        </p:blipFill>
+        <p:spPr>
+          <a:xfrm>
+            <a:off x="1243023" y="1997839"/>
+            <a:ext cx="6477561" cy="3863675"/>
+          </a:xfrm>
+          <a:prstGeom prst="rect">
+            <a:avLst/>
+          </a:prstGeom>
+          <a:ln>
+            <a:solidFill>
+              <a:schemeClr val="bg1">
+                <a:lumMod val="75000"/>
+              </a:schemeClr>
+            </a:solidFill>
+          </a:ln>
+        </p:spPr>
+      </p:pic>
+    </p:spTree>
+    <p:extLst>
+      <p:ext uri="{BB962C8B-B14F-4D97-AF65-F5344CB8AC3E}">
+        <p14:creationId xmlns:p14="http://schemas.microsoft.com/office/powerpoint/2010/main" val="718152328"/>
+      </p:ext>
+    </p:extLst>
+  </p:cSld>
+  <p:clrMapOvr>
+    <a:masterClrMapping/>
+  </p:clrMapOvr>
+</p:sld>
+</file>
+
+<file path=ppt/slides/slide16.xml><?xml version="1.0" encoding="utf-8"?>
+<p:sld xmlns:a="http://schemas.openxmlformats.org/drawingml/2006/main" xmlns:r="http://schemas.openxmlformats.org/officeDocument/2006/relationships" xmlns:p="http://schemas.openxmlformats.org/presentationml/2006/main">
+  <p:cSld>
+    <p:spTree>
+      <p:nvGrpSpPr>
+        <p:cNvPr id="1" name=""/>
+        <p:cNvGrpSpPr/>
+        <p:nvPr/>
+      </p:nvGrpSpPr>
+      <p:grpSpPr>
+        <a:xfrm>
+          <a:off x="0" y="0"/>
+          <a:ext cx="0" cy="0"/>
+          <a:chOff x="0" y="0"/>
+          <a:chExt cx="0" cy="0"/>
+        </a:xfrm>
+      </p:grpSpPr>
+      <p:sp>
+        <p:nvSpPr>
+          <p:cNvPr id="10" name="Title 1">
+            <a:extLst>
+              <a:ext uri="{FF2B5EF4-FFF2-40B4-BE49-F238E27FC236}">
+                <a16:creationId xmlns:a16="http://schemas.microsoft.com/office/drawing/2014/main" id="{12EE7128-FC01-4709-6F16-E8F70D23158E}"/>
+              </a:ext>
+            </a:extLst>
+          </p:cNvPr>
+          <p:cNvSpPr>
+            <a:spLocks noGrp="1"/>
+          </p:cNvSpPr>
+          <p:nvPr>
+            <p:ph type="title"/>
+          </p:nvPr>
+        </p:nvSpPr>
+        <p:spPr>
+          <a:xfrm>
+            <a:off x="1066800" y="336134"/>
+            <a:ext cx="10058400" cy="760078"/>
+          </a:xfrm>
+        </p:spPr>
+        <p:txBody>
+          <a:bodyPr>
+            <a:normAutofit/>
+          </a:bodyPr>
+          <a:lstStyle/>
+          <a:p>
+            <a:pPr rtl="0">
+              <a:spcBef>
+                <a:spcPts val="0"/>
+              </a:spcBef>
+              <a:spcAft>
+                <a:spcPts val="0"/>
+              </a:spcAft>
+            </a:pPr>
+            <a:r>
+              <a:rPr lang="en-ID" sz="3200" b="0" i="0" u="none" strike="noStrike" dirty="0">
+                <a:solidFill>
+                  <a:schemeClr val="tx1"/>
+                </a:solidFill>
+                <a:effectLst/>
+                <a:latin typeface="+mn-lt"/>
+              </a:rPr>
+              <a:t>Visualization with Insight</a:t>
+            </a:r>
+            <a:endParaRPr lang="en-ID" sz="7200" dirty="0">
+              <a:solidFill>
+                <a:schemeClr val="tx1"/>
+              </a:solidFill>
+              <a:latin typeface="+mn-lt"/>
+            </a:endParaRPr>
+          </a:p>
+        </p:txBody>
+      </p:sp>
+      <p:sp>
+        <p:nvSpPr>
+          <p:cNvPr id="11" name="TextBox 10">
+            <a:extLst>
+              <a:ext uri="{FF2B5EF4-FFF2-40B4-BE49-F238E27FC236}">
+                <a16:creationId xmlns:a16="http://schemas.microsoft.com/office/drawing/2014/main" id="{45B36BE0-B851-73AF-34DC-84B1C9A8F804}"/>
+              </a:ext>
+            </a:extLst>
+          </p:cNvPr>
+          <p:cNvSpPr txBox="1"/>
+          <p:nvPr/>
+        </p:nvSpPr>
+        <p:spPr>
+          <a:xfrm>
+            <a:off x="7940351" y="1997839"/>
+            <a:ext cx="3489649" cy="2862322"/>
+          </a:xfrm>
+          <a:prstGeom prst="rect">
+            <a:avLst/>
+          </a:prstGeom>
+          <a:noFill/>
+        </p:spPr>
+        <p:txBody>
+          <a:bodyPr wrap="square" rtlCol="0">
+            <a:spAutoFit/>
+          </a:bodyPr>
+          <a:lstStyle/>
+          <a:p>
+            <a:pPr marL="285750" indent="-285750">
+              <a:buFont typeface="Arial" panose="020B0604020202020204" pitchFamily="34" charset="0"/>
+              <a:buChar char="•"/>
+            </a:pPr>
+            <a:r>
+              <a:rPr lang="en-US" dirty="0">
+                <a:cs typeface="Times New Roman" panose="02020603050405020304" pitchFamily="18" charset="0"/>
+              </a:rPr>
+              <a:t>From all the locations in the data, only the top 6 locations for working people were taken.</a:t>
+            </a:r>
+          </a:p>
+          <a:p>
+            <a:pPr marL="285750" indent="-285750">
+              <a:buFont typeface="Arial" panose="020B0604020202020204" pitchFamily="34" charset="0"/>
+              <a:buChar char="•"/>
+            </a:pPr>
+            <a:r>
+              <a:rPr lang="en-US" dirty="0">
+                <a:cs typeface="Times New Roman" panose="02020603050405020304" pitchFamily="18" charset="0"/>
+              </a:rPr>
+              <a:t>It can be seen that the US became the most favorite location among the others, more than 6 times from the second location called GB.</a:t>
+            </a:r>
+          </a:p>
+          <a:p>
+            <a:pPr marL="285750" indent="-285750">
+              <a:buFont typeface="Arial" panose="020B0604020202020204" pitchFamily="34" charset="0"/>
+              <a:buChar char="•"/>
+            </a:pPr>
+            <a:r>
+              <a:rPr lang="en-US" dirty="0">
+                <a:cs typeface="Times New Roman" panose="02020603050405020304" pitchFamily="18" charset="0"/>
+              </a:rPr>
+              <a:t>And the US spends about 41.3 million dollars on its workers.</a:t>
+            </a:r>
+            <a:endParaRPr lang="en-ID" dirty="0"/>
+          </a:p>
+        </p:txBody>
+      </p:sp>
+      <p:sp>
+        <p:nvSpPr>
+          <p:cNvPr id="6" name="TextBox 5">
+            <a:extLst>
+              <a:ext uri="{FF2B5EF4-FFF2-40B4-BE49-F238E27FC236}">
+                <a16:creationId xmlns:a16="http://schemas.microsoft.com/office/drawing/2014/main" id="{BB8E1531-CA13-B288-D371-150AE9C36A74}"/>
+              </a:ext>
+            </a:extLst>
+          </p:cNvPr>
+          <p:cNvSpPr txBox="1"/>
+          <p:nvPr/>
+        </p:nvSpPr>
+        <p:spPr>
+          <a:xfrm>
+            <a:off x="712237" y="1096212"/>
+            <a:ext cx="4598823" cy="464871"/>
+          </a:xfrm>
+          <a:prstGeom prst="rect">
+            <a:avLst/>
+          </a:prstGeom>
+          <a:noFill/>
+        </p:spPr>
+        <p:txBody>
+          <a:bodyPr wrap="none" rtlCol="0">
+            <a:spAutoFit/>
+          </a:bodyPr>
+          <a:lstStyle/>
+          <a:p>
+            <a:pPr>
+              <a:lnSpc>
+                <a:spcPct val="150000"/>
+              </a:lnSpc>
+            </a:pPr>
+            <a:r>
+              <a:rPr lang="en-US" dirty="0">
+                <a:cs typeface="Times New Roman" panose="02020603050405020304" pitchFamily="18" charset="0"/>
+              </a:rPr>
+              <a:t>6</a:t>
             </a:r>
             <a:r>
               <a:rPr lang="id-ID" dirty="0">
@@ -5550,7 +5798,7 @@
     </p:spTree>
     <p:extLst>
       <p:ext uri="{BB962C8B-B14F-4D97-AF65-F5344CB8AC3E}">
-        <p14:creationId xmlns:p14="http://schemas.microsoft.com/office/powerpoint/2010/main" val="718152328"/>
+        <p14:creationId xmlns:p14="http://schemas.microsoft.com/office/powerpoint/2010/main" val="3608250231"/>
       </p:ext>
     </p:extLst>
   </p:cSld>
@@ -5560,7 +5808,7 @@
 </p:sld>
 </file>
 
-<file path=ppt/slides/slide16.xml><?xml version="1.0" encoding="utf-8"?>
+<file path=ppt/slides/slide17.xml><?xml version="1.0" encoding="utf-8"?>
 <p:sld xmlns:a="http://schemas.openxmlformats.org/drawingml/2006/main" xmlns:r="http://schemas.openxmlformats.org/officeDocument/2006/relationships" xmlns:p="http://schemas.openxmlformats.org/presentationml/2006/main">
   <p:cSld>
     <p:spTree>
@@ -7774,7 +8022,7 @@
         <p:spPr>
           <a:xfrm>
             <a:off x="1066800" y="2321804"/>
-            <a:ext cx="7086600" cy="2126864"/>
+            <a:ext cx="7086600" cy="2542363"/>
           </a:xfrm>
           <a:prstGeom prst="rect">
             <a:avLst/>
@@ -7877,6 +8125,20 @@
                 <a:cs typeface="Times New Roman" panose="02020603050405020304" pitchFamily="18" charset="0"/>
               </a:rPr>
               <a:t> pay the most?</a:t>
+            </a:r>
+          </a:p>
+          <a:p>
+            <a:pPr marL="342900" indent="-342900">
+              <a:lnSpc>
+                <a:spcPct val="150000"/>
+              </a:lnSpc>
+              <a:buAutoNum type="arabicPeriod"/>
+            </a:pPr>
+            <a:r>
+              <a:rPr lang="en-US" dirty="0">
+                <a:cs typeface="Times New Roman" panose="02020603050405020304" pitchFamily="18" charset="0"/>
+              </a:rPr>
+              <a:t>What are the most common areas of work?</a:t>
             </a:r>
           </a:p>
           <a:p>
